--- a/quickStart.pptx
+++ b/quickStart.pptx
@@ -204,7 +204,7 @@
           <a:p>
             <a:fld id="{F7EB09C3-9286-4359-A276-71E06C8D014D}" type="datetimeFigureOut">
               <a:rPr kumimoji="1" lang="ja-JP" altLang="en-US" smtClean="0"/>
-              <a:t>2021/4/19</a:t>
+              <a:t>2021/4/20</a:t>
             </a:fld>
             <a:endParaRPr kumimoji="1" lang="ja-JP" altLang="en-US"/>
           </a:p>
@@ -1073,7 +1073,7 @@
           <a:p>
             <a:fld id="{D598B716-129A-4346-8A1E-A26C12C2A31C}" type="datetime1">
               <a:rPr kumimoji="1" lang="ja-JP" altLang="en-US" smtClean="0"/>
-              <a:t>2021/4/19</a:t>
+              <a:t>2021/4/20</a:t>
             </a:fld>
             <a:endParaRPr kumimoji="1" lang="ja-JP" altLang="en-US"/>
           </a:p>
@@ -1303,7 +1303,7 @@
           <a:p>
             <a:fld id="{EB22A80E-7491-4F57-805B-277B3553CBDD}" type="datetime1">
               <a:rPr kumimoji="1" lang="ja-JP" altLang="en-US" smtClean="0"/>
-              <a:t>2021/4/19</a:t>
+              <a:t>2021/4/20</a:t>
             </a:fld>
             <a:endParaRPr kumimoji="1" lang="ja-JP" altLang="en-US"/>
           </a:p>
@@ -1543,7 +1543,7 @@
           <a:p>
             <a:fld id="{199D3773-1862-4E5E-9B7E-FD7B58B1CDC1}" type="datetime1">
               <a:rPr kumimoji="1" lang="ja-JP" altLang="en-US" smtClean="0"/>
-              <a:t>2021/4/19</a:t>
+              <a:t>2021/4/20</a:t>
             </a:fld>
             <a:endParaRPr kumimoji="1" lang="ja-JP" altLang="en-US"/>
           </a:p>
@@ -1773,7 +1773,7 @@
           <a:p>
             <a:fld id="{3A354C91-4530-4970-80EE-ED93F0349FC9}" type="datetime1">
               <a:rPr kumimoji="1" lang="ja-JP" altLang="en-US" smtClean="0"/>
-              <a:t>2021/4/19</a:t>
+              <a:t>2021/4/20</a:t>
             </a:fld>
             <a:endParaRPr kumimoji="1" lang="ja-JP" altLang="en-US"/>
           </a:p>
@@ -2048,7 +2048,7 @@
           <a:p>
             <a:fld id="{D5546E1F-7704-43BC-9EB7-8B4E63C2FA78}" type="datetime1">
               <a:rPr kumimoji="1" lang="ja-JP" altLang="en-US" smtClean="0"/>
-              <a:t>2021/4/19</a:t>
+              <a:t>2021/4/20</a:t>
             </a:fld>
             <a:endParaRPr kumimoji="1" lang="ja-JP" altLang="en-US"/>
           </a:p>
@@ -2377,7 +2377,7 @@
           <a:p>
             <a:fld id="{8EDAF063-9BCA-4DB2-B62A-A71D73FFFF08}" type="datetime1">
               <a:rPr kumimoji="1" lang="ja-JP" altLang="en-US" smtClean="0"/>
-              <a:t>2021/4/19</a:t>
+              <a:t>2021/4/20</a:t>
             </a:fld>
             <a:endParaRPr kumimoji="1" lang="ja-JP" altLang="en-US"/>
           </a:p>
@@ -2853,7 +2853,7 @@
           <a:p>
             <a:fld id="{67F69382-5A84-445F-85E3-36F95EF848C1}" type="datetime1">
               <a:rPr kumimoji="1" lang="ja-JP" altLang="en-US" smtClean="0"/>
-              <a:t>2021/4/19</a:t>
+              <a:t>2021/4/20</a:t>
             </a:fld>
             <a:endParaRPr kumimoji="1" lang="ja-JP" altLang="en-US"/>
           </a:p>
@@ -2994,7 +2994,7 @@
           <a:p>
             <a:fld id="{11DFDDBE-55C0-4438-8735-A82CF8ED7D3C}" type="datetime1">
               <a:rPr kumimoji="1" lang="ja-JP" altLang="en-US" smtClean="0"/>
-              <a:t>2021/4/19</a:t>
+              <a:t>2021/4/20</a:t>
             </a:fld>
             <a:endParaRPr kumimoji="1" lang="ja-JP" altLang="en-US"/>
           </a:p>
@@ -3107,7 +3107,7 @@
           <a:p>
             <a:fld id="{E5331A77-1F55-4289-8738-E3A3695C7942}" type="datetime1">
               <a:rPr kumimoji="1" lang="ja-JP" altLang="en-US" smtClean="0"/>
-              <a:t>2021/4/19</a:t>
+              <a:t>2021/4/20</a:t>
             </a:fld>
             <a:endParaRPr kumimoji="1" lang="ja-JP" altLang="en-US"/>
           </a:p>
@@ -3450,7 +3450,7 @@
           <a:p>
             <a:fld id="{DD3D377D-82DD-422E-95EB-D4FF56DA2071}" type="datetime1">
               <a:rPr kumimoji="1" lang="ja-JP" altLang="en-US" smtClean="0"/>
-              <a:t>2021/4/19</a:t>
+              <a:t>2021/4/20</a:t>
             </a:fld>
             <a:endParaRPr kumimoji="1" lang="ja-JP" altLang="en-US"/>
           </a:p>
@@ -3738,7 +3738,7 @@
           <a:p>
             <a:fld id="{116ABC25-B53C-4E21-8256-D774F9E7D21F}" type="datetime1">
               <a:rPr kumimoji="1" lang="ja-JP" altLang="en-US" smtClean="0"/>
-              <a:t>2021/4/19</a:t>
+              <a:t>2021/4/20</a:t>
             </a:fld>
             <a:endParaRPr kumimoji="1" lang="ja-JP" altLang="en-US"/>
           </a:p>
@@ -4011,7 +4011,7 @@
           <a:p>
             <a:fld id="{EF4D52CB-BEF7-4188-997C-4B6999852D6E}" type="datetime1">
               <a:rPr kumimoji="1" lang="ja-JP" altLang="en-US" smtClean="0"/>
-              <a:t>2021/4/19</a:t>
+              <a:t>2021/4/20</a:t>
             </a:fld>
             <a:endParaRPr kumimoji="1" lang="ja-JP" altLang="en-US"/>
           </a:p>
@@ -7020,35 +7020,6 @@
           <a:chExt cx="0" cy="0"/>
         </a:xfrm>
       </p:grpSpPr>
-      <p:pic>
-        <p:nvPicPr>
-          <p:cNvPr id="7" name="図 6">
-            <a:extLst>
-              <a:ext uri="{FF2B5EF4-FFF2-40B4-BE49-F238E27FC236}">
-                <a16:creationId xmlns:a16="http://schemas.microsoft.com/office/drawing/2014/main" id="{A21BED15-B606-4B9C-9A59-5E600255D530}"/>
-              </a:ext>
-            </a:extLst>
-          </p:cNvPr>
-          <p:cNvPicPr>
-            <a:picLocks noChangeAspect="1"/>
-          </p:cNvPicPr>
-          <p:nvPr/>
-        </p:nvPicPr>
-        <p:blipFill rotWithShape="1">
-          <a:blip r:embed="rId3"/>
-          <a:srcRect b="7894"/>
-          <a:stretch/>
-        </p:blipFill>
-        <p:spPr>
-          <a:xfrm>
-            <a:off x="676275" y="2368551"/>
-            <a:ext cx="10677525" cy="3798786"/>
-          </a:xfrm>
-          <a:prstGeom prst="rect">
-            <a:avLst/>
-          </a:prstGeom>
-        </p:spPr>
-      </p:pic>
       <p:sp>
         <p:nvSpPr>
           <p:cNvPr id="2" name="タイトル 1">
@@ -7121,58 +7092,109 @@
           </a:p>
         </p:txBody>
       </p:sp>
-      <p:sp>
-        <p:nvSpPr>
-          <p:cNvPr id="8" name="正方形/長方形 7">
-            <a:extLst>
-              <a:ext uri="{FF2B5EF4-FFF2-40B4-BE49-F238E27FC236}">
-                <a16:creationId xmlns:a16="http://schemas.microsoft.com/office/drawing/2014/main" id="{2099EBC9-9D88-4818-800E-7B1D6A90824C}"/>
-              </a:ext>
-            </a:extLst>
-          </p:cNvPr>
-          <p:cNvSpPr/>
+      <p:grpSp>
+        <p:nvGrpSpPr>
+          <p:cNvPr id="9" name="グループ化 8">
+            <a:extLst>
+              <a:ext uri="{FF2B5EF4-FFF2-40B4-BE49-F238E27FC236}">
+                <a16:creationId xmlns:a16="http://schemas.microsoft.com/office/drawing/2014/main" id="{20463E3A-2B4A-49AE-BCB0-BD4F8A69A049}"/>
+              </a:ext>
+            </a:extLst>
+          </p:cNvPr>
+          <p:cNvGrpSpPr/>
           <p:nvPr/>
-        </p:nvSpPr>
-        <p:spPr>
+        </p:nvGrpSpPr>
+        <p:grpSpPr>
           <a:xfrm>
-            <a:off x="3394952" y="2854884"/>
-            <a:ext cx="1549942" cy="256144"/>
+            <a:off x="266700" y="2575900"/>
+            <a:ext cx="11658600" cy="3476625"/>
+            <a:chOff x="266700" y="2410533"/>
+            <a:chExt cx="11658600" cy="3476625"/>
           </a:xfrm>
-          <a:prstGeom prst="rect">
-            <a:avLst/>
-          </a:prstGeom>
-          <a:noFill/>
-          <a:ln>
-            <a:solidFill>
-              <a:schemeClr val="accent4"/>
-            </a:solidFill>
-          </a:ln>
-        </p:spPr>
-        <p:style>
-          <a:lnRef idx="2">
-            <a:schemeClr val="accent1">
-              <a:shade val="50000"/>
-            </a:schemeClr>
-          </a:lnRef>
-          <a:fillRef idx="1">
-            <a:schemeClr val="accent1"/>
-          </a:fillRef>
-          <a:effectRef idx="0">
-            <a:schemeClr val="accent1"/>
-          </a:effectRef>
-          <a:fontRef idx="minor">
-            <a:schemeClr val="lt1"/>
-          </a:fontRef>
-        </p:style>
-        <p:txBody>
-          <a:bodyPr rtlCol="0" anchor="ctr"/>
-          <a:lstStyle/>
-          <a:p>
-            <a:pPr algn="ctr"/>
-            <a:endParaRPr kumimoji="1" lang="ja-JP" altLang="en-US"/>
-          </a:p>
-        </p:txBody>
-      </p:sp>
+        </p:grpSpPr>
+        <p:pic>
+          <p:nvPicPr>
+            <p:cNvPr id="6" name="図 5">
+              <a:extLst>
+                <a:ext uri="{FF2B5EF4-FFF2-40B4-BE49-F238E27FC236}">
+                  <a16:creationId xmlns:a16="http://schemas.microsoft.com/office/drawing/2014/main" id="{DEBB2E22-C1B5-4C21-87F6-750248471DD6}"/>
+                </a:ext>
+              </a:extLst>
+            </p:cNvPr>
+            <p:cNvPicPr>
+              <a:picLocks noChangeAspect="1"/>
+            </p:cNvPicPr>
+            <p:nvPr/>
+          </p:nvPicPr>
+          <p:blipFill>
+            <a:blip r:embed="rId3"/>
+            <a:stretch>
+              <a:fillRect/>
+            </a:stretch>
+          </p:blipFill>
+          <p:spPr>
+            <a:xfrm>
+              <a:off x="266700" y="2410533"/>
+              <a:ext cx="11658600" cy="3476625"/>
+            </a:xfrm>
+            <a:prstGeom prst="rect">
+              <a:avLst/>
+            </a:prstGeom>
+          </p:spPr>
+        </p:pic>
+        <p:sp>
+          <p:nvSpPr>
+            <p:cNvPr id="8" name="正方形/長方形 7">
+              <a:extLst>
+                <a:ext uri="{FF2B5EF4-FFF2-40B4-BE49-F238E27FC236}">
+                  <a16:creationId xmlns:a16="http://schemas.microsoft.com/office/drawing/2014/main" id="{2099EBC9-9D88-4818-800E-7B1D6A90824C}"/>
+                </a:ext>
+              </a:extLst>
+            </p:cNvPr>
+            <p:cNvSpPr/>
+            <p:nvPr/>
+          </p:nvSpPr>
+          <p:spPr>
+            <a:xfrm>
+              <a:off x="3607336" y="2927087"/>
+              <a:ext cx="1549942" cy="256144"/>
+            </a:xfrm>
+            <a:prstGeom prst="rect">
+              <a:avLst/>
+            </a:prstGeom>
+            <a:noFill/>
+            <a:ln>
+              <a:solidFill>
+                <a:schemeClr val="accent4"/>
+              </a:solidFill>
+            </a:ln>
+          </p:spPr>
+          <p:style>
+            <a:lnRef idx="2">
+              <a:schemeClr val="accent1">
+                <a:shade val="50000"/>
+              </a:schemeClr>
+            </a:lnRef>
+            <a:fillRef idx="1">
+              <a:schemeClr val="accent1"/>
+            </a:fillRef>
+            <a:effectRef idx="0">
+              <a:schemeClr val="accent1"/>
+            </a:effectRef>
+            <a:fontRef idx="minor">
+              <a:schemeClr val="lt1"/>
+            </a:fontRef>
+          </p:style>
+          <p:txBody>
+            <a:bodyPr rtlCol="0" anchor="ctr"/>
+            <a:lstStyle/>
+            <a:p>
+              <a:pPr algn="ctr"/>
+              <a:endParaRPr kumimoji="1" lang="ja-JP" altLang="en-US"/>
+            </a:p>
+          </p:txBody>
+        </p:sp>
+      </p:grpSp>
       <p:sp>
         <p:nvSpPr>
           <p:cNvPr id="4" name="スライド番号プレースホルダー 3">
